--- a/src/EasyKubeLogDDD/doc/architecture.pptx
+++ b/src/EasyKubeLogDDD/doc/architecture.pptx
@@ -6071,7 +6071,26 @@
                   </a:outerShdw>
                 </a:effectLst>
               </a:rPr>
-              <a:t>Query</a:t>
+              <a:t>Central</a:t>
+            </a:r>
+          </a:p>
+          <a:p>
+            <a:pPr algn="ctr"/>
+            <a:r>
+              <a:rPr lang="de-DE" dirty="0">
+                <a:ln w="0"/>
+                <a:solidFill>
+                  <a:schemeClr val="tx1"/>
+                </a:solidFill>
+                <a:effectLst>
+                  <a:outerShdw blurRad="38100" dist="19050" dir="2700000" algn="tl" rotWithShape="0">
+                    <a:schemeClr val="dk1">
+                      <a:alpha val="40000"/>
+                    </a:schemeClr>
+                  </a:outerShdw>
+                </a:effectLst>
+              </a:rPr>
+              <a:t>Log</a:t>
             </a:r>
           </a:p>
         </p:txBody>
